--- a/IFB299 - User Stories 14-8-17.pptx
+++ b/IFB299 - User Stories 14-8-17.pptx
@@ -21,10 +21,11 @@
     <p:sldId id="269" r:id="rId15"/>
     <p:sldId id="294" r:id="rId16"/>
     <p:sldId id="270" r:id="rId17"/>
-    <p:sldId id="312" r:id="rId18"/>
-    <p:sldId id="311" r:id="rId19"/>
-    <p:sldId id="310" r:id="rId20"/>
-    <p:sldId id="309" r:id="rId21"/>
+    <p:sldId id="313" r:id="rId18"/>
+    <p:sldId id="312" r:id="rId19"/>
+    <p:sldId id="311" r:id="rId20"/>
+    <p:sldId id="310" r:id="rId21"/>
+    <p:sldId id="309" r:id="rId22"/>
   </p:sldIdLst>
   <p:sldSz cx="12192000" cy="6858000"/>
   <p:notesSz cx="6858000" cy="9144000"/>
@@ -6686,7 +6687,7 @@
                   <a:schemeClr val="tx1"/>
                 </a:solidFill>
               </a:rPr>
-              <a:t>As a guest, I want to be able to easily navigate around the website to view all the information available to me.</a:t>
+              <a:t>As a guest, I should be able to find the login portal and be able to login to my relevant account</a:t>
             </a:r>
             <a:endParaRPr lang="en-AU" altLang="ko-KR" sz="1200" dirty="0">
               <a:solidFill>
@@ -6762,117 +6763,13 @@
             </a:r>
           </a:p>
           <a:p>
-            <a:pPr marL="342900" indent="-342900">
-              <a:buFontTx/>
-              <a:buChar char="-"/>
-            </a:pPr>
             <a:r>
               <a:rPr lang="en-AU" sz="2000" dirty="0" smtClean="0">
                 <a:solidFill>
                   <a:schemeClr val="tx1"/>
                 </a:solidFill>
               </a:rPr>
-              <a:t>A link to the home page will take me to the home page</a:t>
-            </a:r>
-          </a:p>
-          <a:p>
-            <a:pPr marL="342900" indent="-342900">
-              <a:buFontTx/>
-              <a:buChar char="-"/>
-            </a:pPr>
-            <a:r>
-              <a:rPr lang="en-AU" sz="2000" dirty="0" smtClean="0">
-                <a:solidFill>
-                  <a:schemeClr val="tx1"/>
-                </a:solidFill>
-              </a:rPr>
-              <a:t>A link from the home page will take me to a registration portal</a:t>
-            </a:r>
-          </a:p>
-          <a:p>
-            <a:pPr marL="342900" indent="-342900">
-              <a:buFontTx/>
-              <a:buChar char="-"/>
-            </a:pPr>
-            <a:r>
-              <a:rPr lang="en-AU" sz="2000" dirty="0" smtClean="0">
-                <a:solidFill>
-                  <a:schemeClr val="tx1"/>
-                </a:solidFill>
-              </a:rPr>
-              <a:t>A link from the home page will take me to information about capitol cities</a:t>
-            </a:r>
-            <a:endParaRPr lang="en-AU" sz="2000" dirty="0" smtClean="0">
-              <a:solidFill>
-                <a:schemeClr val="tx1"/>
-              </a:solidFill>
-            </a:endParaRPr>
-          </a:p>
-        </p:txBody>
-      </p:sp>
-      <p:sp>
-        <p:nvSpPr>
-          <p:cNvPr id="11" name="Rectangle 10"/>
-          <p:cNvSpPr/>
-          <p:nvPr/>
-        </p:nvSpPr>
-        <p:spPr>
-          <a:xfrm>
-            <a:off x="10290153" y="109410"/>
-            <a:ext cx="720000" cy="540000"/>
-          </a:xfrm>
-          <a:prstGeom prst="rect">
-            <a:avLst/>
-          </a:prstGeom>
-          <a:solidFill>
-            <a:srgbClr val="CCF0CD">
-              <a:alpha val="20000"/>
-            </a:srgbClr>
-          </a:solidFill>
-          <a:ln>
-            <a:solidFill>
-              <a:schemeClr val="accent1">
-                <a:lumMod val="50000"/>
-              </a:schemeClr>
-            </a:solidFill>
-          </a:ln>
-        </p:spPr>
-        <p:style>
-          <a:lnRef idx="2">
-            <a:schemeClr val="accent1">
-              <a:shade val="50000"/>
-            </a:schemeClr>
-          </a:lnRef>
-          <a:fillRef idx="1">
-            <a:schemeClr val="accent1"/>
-          </a:fillRef>
-          <a:effectRef idx="0">
-            <a:schemeClr val="accent1"/>
-          </a:effectRef>
-          <a:fontRef idx="minor">
-            <a:schemeClr val="lt1"/>
-          </a:fontRef>
-        </p:style>
-        <p:txBody>
-          <a:bodyPr wrap="square" lIns="0" rIns="0" rtlCol="0" anchor="ctr"/>
-          <a:lstStyle/>
-          <a:p>
-            <a:pPr algn="ctr"/>
-            <a:r>
-              <a:rPr lang="en-AU" sz="2000" dirty="0">
-                <a:solidFill>
-                  <a:schemeClr val="tx1"/>
-                </a:solidFill>
-              </a:rPr>
-              <a:t>Story </a:t>
-            </a:r>
-            <a:r>
-              <a:rPr lang="en-AU" sz="2000" dirty="0" smtClean="0">
-                <a:solidFill>
-                  <a:schemeClr val="tx1"/>
-                </a:solidFill>
-              </a:rPr>
-              <a:t>Points 4</a:t>
+              <a:t>- Having a login portal easily seen on the home page</a:t>
             </a:r>
             <a:endParaRPr lang="en-AU" sz="2000" dirty="0">
               <a:solidFill>
@@ -6884,6 +6781,76 @@
       </p:sp>
       <p:sp>
         <p:nvSpPr>
+          <p:cNvPr id="11" name="Rectangle 10"/>
+          <p:cNvSpPr/>
+          <p:nvPr/>
+        </p:nvSpPr>
+        <p:spPr>
+          <a:xfrm>
+            <a:off x="10290153" y="109410"/>
+            <a:ext cx="720000" cy="540000"/>
+          </a:xfrm>
+          <a:prstGeom prst="rect">
+            <a:avLst/>
+          </a:prstGeom>
+          <a:solidFill>
+            <a:srgbClr val="CCF0CD">
+              <a:alpha val="20000"/>
+            </a:srgbClr>
+          </a:solidFill>
+          <a:ln>
+            <a:solidFill>
+              <a:schemeClr val="accent1">
+                <a:lumMod val="50000"/>
+              </a:schemeClr>
+            </a:solidFill>
+          </a:ln>
+        </p:spPr>
+        <p:style>
+          <a:lnRef idx="2">
+            <a:schemeClr val="accent1">
+              <a:shade val="50000"/>
+            </a:schemeClr>
+          </a:lnRef>
+          <a:fillRef idx="1">
+            <a:schemeClr val="accent1"/>
+          </a:fillRef>
+          <a:effectRef idx="0">
+            <a:schemeClr val="accent1"/>
+          </a:effectRef>
+          <a:fontRef idx="minor">
+            <a:schemeClr val="lt1"/>
+          </a:fontRef>
+        </p:style>
+        <p:txBody>
+          <a:bodyPr wrap="square" lIns="0" rIns="0" rtlCol="0" anchor="ctr"/>
+          <a:lstStyle/>
+          <a:p>
+            <a:pPr algn="ctr"/>
+            <a:r>
+              <a:rPr lang="en-AU" sz="2000" dirty="0">
+                <a:solidFill>
+                  <a:schemeClr val="tx1"/>
+                </a:solidFill>
+              </a:rPr>
+              <a:t>Story Points</a:t>
+            </a:r>
+          </a:p>
+          <a:p>
+            <a:pPr algn="ctr"/>
+            <a:r>
+              <a:rPr lang="en-AU" sz="2000" smtClean="0">
+                <a:solidFill>
+                  <a:schemeClr val="tx1"/>
+                </a:solidFill>
+              </a:rPr>
+              <a:t>2</a:t>
+            </a:r>
+          </a:p>
+        </p:txBody>
+      </p:sp>
+      <p:sp>
+        <p:nvSpPr>
           <p:cNvPr id="12" name="Rectangle 11"/>
           <p:cNvSpPr/>
           <p:nvPr/>
@@ -7026,7 +6993,7 @@
     </p:spTree>
     <p:extLst>
       <p:ext uri="{BB962C8B-B14F-4D97-AF65-F5344CB8AC3E}">
-        <p14:creationId xmlns:p14="http://schemas.microsoft.com/office/powerpoint/2010/main" val="2199984545"/>
+        <p14:creationId xmlns:p14="http://schemas.microsoft.com/office/powerpoint/2010/main" val="2877954913"/>
       </p:ext>
     </p:extLst>
   </p:cSld>
@@ -7216,15 +7183,7 @@
                   <a:schemeClr val="tx1"/>
                 </a:solidFill>
               </a:rPr>
-              <a:t>As a guest, I want to be able to view the home portal, so </a:t>
-            </a:r>
-            <a:r>
-              <a:rPr lang="en-AU" altLang="ko-KR" sz="1200" dirty="0" smtClean="0">
-                <a:solidFill>
-                  <a:schemeClr val="tx1"/>
-                </a:solidFill>
-              </a:rPr>
-              <a:t>I can register my details into the system.</a:t>
+              <a:t>As a guest, I want to be able to easily navigate around the website to view all the information available to me.</a:t>
             </a:r>
             <a:endParaRPr lang="en-AU" altLang="ko-KR" sz="1200" dirty="0">
               <a:solidFill>
@@ -7300,13 +7259,117 @@
             </a:r>
           </a:p>
           <a:p>
+            <a:pPr marL="342900" indent="-342900">
+              <a:buFontTx/>
+              <a:buChar char="-"/>
+            </a:pPr>
             <a:r>
               <a:rPr lang="en-AU" sz="2000" dirty="0" smtClean="0">
                 <a:solidFill>
                   <a:schemeClr val="tx1"/>
                 </a:solidFill>
               </a:rPr>
-              <a:t>- When the website loads to the welcome page, having a link to click to take them to the home page of the website so they are able to register their details</a:t>
+              <a:t>A link to the home page will take me to the home page</a:t>
+            </a:r>
+          </a:p>
+          <a:p>
+            <a:pPr marL="342900" indent="-342900">
+              <a:buFontTx/>
+              <a:buChar char="-"/>
+            </a:pPr>
+            <a:r>
+              <a:rPr lang="en-AU" sz="2000" dirty="0" smtClean="0">
+                <a:solidFill>
+                  <a:schemeClr val="tx1"/>
+                </a:solidFill>
+              </a:rPr>
+              <a:t>A link from the home page will take me to a registration portal</a:t>
+            </a:r>
+          </a:p>
+          <a:p>
+            <a:pPr marL="342900" indent="-342900">
+              <a:buFontTx/>
+              <a:buChar char="-"/>
+            </a:pPr>
+            <a:r>
+              <a:rPr lang="en-AU" sz="2000" dirty="0" smtClean="0">
+                <a:solidFill>
+                  <a:schemeClr val="tx1"/>
+                </a:solidFill>
+              </a:rPr>
+              <a:t>A link from the home page will take me to information about capitol cities</a:t>
+            </a:r>
+            <a:endParaRPr lang="en-AU" sz="2000" dirty="0" smtClean="0">
+              <a:solidFill>
+                <a:schemeClr val="tx1"/>
+              </a:solidFill>
+            </a:endParaRPr>
+          </a:p>
+        </p:txBody>
+      </p:sp>
+      <p:sp>
+        <p:nvSpPr>
+          <p:cNvPr id="11" name="Rectangle 10"/>
+          <p:cNvSpPr/>
+          <p:nvPr/>
+        </p:nvSpPr>
+        <p:spPr>
+          <a:xfrm>
+            <a:off x="10290153" y="109410"/>
+            <a:ext cx="720000" cy="540000"/>
+          </a:xfrm>
+          <a:prstGeom prst="rect">
+            <a:avLst/>
+          </a:prstGeom>
+          <a:solidFill>
+            <a:srgbClr val="CCF0CD">
+              <a:alpha val="20000"/>
+            </a:srgbClr>
+          </a:solidFill>
+          <a:ln>
+            <a:solidFill>
+              <a:schemeClr val="accent1">
+                <a:lumMod val="50000"/>
+              </a:schemeClr>
+            </a:solidFill>
+          </a:ln>
+        </p:spPr>
+        <p:style>
+          <a:lnRef idx="2">
+            <a:schemeClr val="accent1">
+              <a:shade val="50000"/>
+            </a:schemeClr>
+          </a:lnRef>
+          <a:fillRef idx="1">
+            <a:schemeClr val="accent1"/>
+          </a:fillRef>
+          <a:effectRef idx="0">
+            <a:schemeClr val="accent1"/>
+          </a:effectRef>
+          <a:fontRef idx="minor">
+            <a:schemeClr val="lt1"/>
+          </a:fontRef>
+        </p:style>
+        <p:txBody>
+          <a:bodyPr wrap="square" lIns="0" rIns="0" rtlCol="0" anchor="ctr"/>
+          <a:lstStyle/>
+          <a:p>
+            <a:pPr algn="ctr"/>
+            <a:r>
+              <a:rPr lang="en-AU" sz="2000" dirty="0">
+                <a:solidFill>
+                  <a:schemeClr val="tx1"/>
+                </a:solidFill>
+              </a:rPr>
+              <a:t>Story </a:t>
+            </a:r>
+            <a:r>
+              <a:rPr lang="en-AU" sz="2000" dirty="0" smtClean="0">
+                <a:solidFill>
+                  <a:schemeClr val="tx1"/>
+                </a:solidFill>
+              </a:rPr>
+              <a:t>Points 4</a:t>
             </a:r>
             <a:endParaRPr lang="en-AU" sz="2000" dirty="0">
               <a:solidFill>
@@ -7318,81 +7381,6 @@
       </p:sp>
       <p:sp>
         <p:nvSpPr>
-          <p:cNvPr id="11" name="Rectangle 10"/>
-          <p:cNvSpPr/>
-          <p:nvPr/>
-        </p:nvSpPr>
-        <p:spPr>
-          <a:xfrm>
-            <a:off x="10290153" y="109410"/>
-            <a:ext cx="720000" cy="540000"/>
-          </a:xfrm>
-          <a:prstGeom prst="rect">
-            <a:avLst/>
-          </a:prstGeom>
-          <a:solidFill>
-            <a:srgbClr val="CCF0CD">
-              <a:alpha val="20000"/>
-            </a:srgbClr>
-          </a:solidFill>
-          <a:ln>
-            <a:solidFill>
-              <a:schemeClr val="accent1">
-                <a:lumMod val="50000"/>
-              </a:schemeClr>
-            </a:solidFill>
-          </a:ln>
-        </p:spPr>
-        <p:style>
-          <a:lnRef idx="2">
-            <a:schemeClr val="accent1">
-              <a:shade val="50000"/>
-            </a:schemeClr>
-          </a:lnRef>
-          <a:fillRef idx="1">
-            <a:schemeClr val="accent1"/>
-          </a:fillRef>
-          <a:effectRef idx="0">
-            <a:schemeClr val="accent1"/>
-          </a:effectRef>
-          <a:fontRef idx="minor">
-            <a:schemeClr val="lt1"/>
-          </a:fontRef>
-        </p:style>
-        <p:txBody>
-          <a:bodyPr wrap="square" lIns="0" rIns="0" rtlCol="0" anchor="ctr"/>
-          <a:lstStyle/>
-          <a:p>
-            <a:pPr algn="ctr"/>
-            <a:r>
-              <a:rPr lang="en-AU" sz="2000" dirty="0">
-                <a:solidFill>
-                  <a:schemeClr val="tx1"/>
-                </a:solidFill>
-              </a:rPr>
-              <a:t>Story Points</a:t>
-            </a:r>
-          </a:p>
-          <a:p>
-            <a:pPr algn="ctr"/>
-            <a:r>
-              <a:rPr lang="en-AU" sz="2000" dirty="0">
-                <a:solidFill>
-                  <a:schemeClr val="tx1"/>
-                </a:solidFill>
-              </a:rPr>
-              <a:t>4</a:t>
-            </a:r>
-            <a:endParaRPr lang="en-AU" sz="2000" dirty="0">
-              <a:solidFill>
-                <a:schemeClr val="tx1"/>
-              </a:solidFill>
-            </a:endParaRPr>
-          </a:p>
-        </p:txBody>
-      </p:sp>
-      <p:sp>
-        <p:nvSpPr>
           <p:cNvPr id="12" name="Rectangle 11"/>
           <p:cNvSpPr/>
           <p:nvPr/>
@@ -7457,7 +7445,7 @@
                   <a:schemeClr val="tx1"/>
                 </a:solidFill>
               </a:rPr>
-              <a:t>C</a:t>
+              <a:t>M</a:t>
             </a:r>
           </a:p>
         </p:txBody>
@@ -7535,7 +7523,7 @@
     </p:spTree>
     <p:extLst>
       <p:ext uri="{BB962C8B-B14F-4D97-AF65-F5344CB8AC3E}">
-        <p14:creationId xmlns:p14="http://schemas.microsoft.com/office/powerpoint/2010/main" val="3667904381"/>
+        <p14:creationId xmlns:p14="http://schemas.microsoft.com/office/powerpoint/2010/main" val="2199984545"/>
       </p:ext>
     </p:extLst>
   </p:cSld>
@@ -7725,7 +7713,15 @@
                   <a:schemeClr val="tx1"/>
                 </a:solidFill>
               </a:rPr>
-              <a:t>As a guest, I want to be able to create an account, add my phone number, email address and residential address into the system, so I can access the other sections of the website.</a:t>
+              <a:t>As a guest, I want to be able to view the home portal, so </a:t>
+            </a:r>
+            <a:r>
+              <a:rPr lang="en-AU" altLang="ko-KR" sz="1200" dirty="0" smtClean="0">
+                <a:solidFill>
+                  <a:schemeClr val="tx1"/>
+                </a:solidFill>
+              </a:rPr>
+              <a:t>I can register my details into the system.</a:t>
             </a:r>
             <a:endParaRPr lang="en-AU" altLang="ko-KR" sz="1200" dirty="0">
               <a:solidFill>
@@ -7801,39 +7797,13 @@
             </a:r>
           </a:p>
           <a:p>
-            <a:pPr marL="342900" indent="-342900">
-              <a:buFontTx/>
-              <a:buChar char="-"/>
-            </a:pPr>
             <a:r>
               <a:rPr lang="en-AU" sz="2000" dirty="0" smtClean="0">
                 <a:solidFill>
                   <a:schemeClr val="tx1"/>
                 </a:solidFill>
               </a:rPr>
-              <a:t>Have a portal where the guest can register their details into the system</a:t>
-            </a:r>
-          </a:p>
-          <a:p>
-            <a:pPr marL="342900" indent="-342900">
-              <a:buFontTx/>
-              <a:buChar char="-"/>
-            </a:pPr>
-            <a:r>
-              <a:rPr lang="en-AU" sz="2000" dirty="0" smtClean="0">
-                <a:solidFill>
-                  <a:schemeClr val="tx1"/>
-                </a:solidFill>
-              </a:rPr>
-              <a:t>From the portal the details can be entered, then a requirement to verify their email </a:t>
-            </a:r>
-            <a:r>
-              <a:rPr lang="en-AU" sz="2000" dirty="0" smtClean="0">
-                <a:solidFill>
-                  <a:schemeClr val="tx1"/>
-                </a:solidFill>
-              </a:rPr>
-              <a:t>is needed to be performed.</a:t>
+              <a:t>- When the website loads to the welcome page, having a link to click to take them to the home page of the website so they are able to register their details</a:t>
             </a:r>
             <a:endParaRPr lang="en-AU" sz="2000" dirty="0">
               <a:solidFill>
@@ -7908,7 +7878,7 @@
                   <a:schemeClr val="tx1"/>
                 </a:solidFill>
               </a:rPr>
-              <a:t>2</a:t>
+              <a:t>4</a:t>
             </a:r>
             <a:endParaRPr lang="en-AU" sz="2000" dirty="0">
               <a:solidFill>
@@ -7984,13 +7954,8 @@
                   <a:schemeClr val="tx1"/>
                 </a:solidFill>
               </a:rPr>
-              <a:t>M</a:t>
-            </a:r>
-            <a:endParaRPr lang="en-AU" sz="2000" dirty="0">
-              <a:solidFill>
-                <a:schemeClr val="tx1"/>
-              </a:solidFill>
-            </a:endParaRPr>
+              <a:t>C</a:t>
+            </a:r>
           </a:p>
         </p:txBody>
       </p:sp>
@@ -8067,7 +8032,7 @@
     </p:spTree>
     <p:extLst>
       <p:ext uri="{BB962C8B-B14F-4D97-AF65-F5344CB8AC3E}">
-        <p14:creationId xmlns:p14="http://schemas.microsoft.com/office/powerpoint/2010/main" val="876253719"/>
+        <p14:creationId xmlns:p14="http://schemas.microsoft.com/office/powerpoint/2010/main" val="3667904381"/>
       </p:ext>
     </p:extLst>
   </p:cSld>
@@ -8547,6 +8512,538 @@
 </file>
 
 <file path=ppt/slides/slide20.xml><?xml version="1.0" encoding="utf-8"?>
+<p:sld xmlns:a="http://schemas.openxmlformats.org/drawingml/2006/main" xmlns:r="http://schemas.openxmlformats.org/officeDocument/2006/relationships" xmlns:p="http://schemas.openxmlformats.org/presentationml/2006/main">
+  <p:cSld>
+    <p:spTree>
+      <p:nvGrpSpPr>
+        <p:cNvPr id="1" name=""/>
+        <p:cNvGrpSpPr/>
+        <p:nvPr/>
+      </p:nvGrpSpPr>
+      <p:grpSpPr>
+        <a:xfrm>
+          <a:off x="0" y="0"/>
+          <a:ext cx="0" cy="0"/>
+          <a:chOff x="0" y="0"/>
+          <a:chExt cx="0" cy="0"/>
+        </a:xfrm>
+      </p:grpSpPr>
+      <p:sp>
+        <p:nvSpPr>
+          <p:cNvPr id="4" name="Rectangle 3"/>
+          <p:cNvSpPr/>
+          <p:nvPr/>
+        </p:nvSpPr>
+        <p:spPr>
+          <a:xfrm>
+            <a:off x="1182153" y="109410"/>
+            <a:ext cx="720000" cy="540000"/>
+          </a:xfrm>
+          <a:prstGeom prst="rect">
+            <a:avLst/>
+          </a:prstGeom>
+          <a:solidFill>
+            <a:schemeClr val="accent1">
+              <a:lumMod val="40000"/>
+              <a:lumOff val="60000"/>
+            </a:schemeClr>
+          </a:solidFill>
+          <a:ln>
+            <a:solidFill>
+              <a:schemeClr val="accent1">
+                <a:lumMod val="50000"/>
+              </a:schemeClr>
+            </a:solidFill>
+          </a:ln>
+        </p:spPr>
+        <p:style>
+          <a:lnRef idx="2">
+            <a:schemeClr val="accent1">
+              <a:shade val="50000"/>
+            </a:schemeClr>
+          </a:lnRef>
+          <a:fillRef idx="1">
+            <a:schemeClr val="accent1"/>
+          </a:fillRef>
+          <a:effectRef idx="0">
+            <a:schemeClr val="accent1"/>
+          </a:effectRef>
+          <a:fontRef idx="minor">
+            <a:schemeClr val="lt1"/>
+          </a:fontRef>
+        </p:style>
+        <p:txBody>
+          <a:bodyPr wrap="square" lIns="0" rIns="0" rtlCol="0" anchor="ctr"/>
+          <a:lstStyle/>
+          <a:p>
+            <a:pPr algn="ctr"/>
+            <a:r>
+              <a:rPr lang="en-AU" sz="2000" dirty="0">
+                <a:solidFill>
+                  <a:schemeClr val="tx1"/>
+                </a:solidFill>
+              </a:rPr>
+              <a:t>Story 40</a:t>
+            </a:r>
+          </a:p>
+        </p:txBody>
+      </p:sp>
+      <p:sp>
+        <p:nvSpPr>
+          <p:cNvPr id="6" name="Rectangle 5"/>
+          <p:cNvSpPr/>
+          <p:nvPr/>
+        </p:nvSpPr>
+        <p:spPr>
+          <a:xfrm>
+            <a:off x="1974153" y="109410"/>
+            <a:ext cx="7380000" cy="540000"/>
+          </a:xfrm>
+          <a:prstGeom prst="rect">
+            <a:avLst/>
+          </a:prstGeom>
+          <a:ln>
+            <a:solidFill>
+              <a:schemeClr val="accent1">
+                <a:lumMod val="50000"/>
+              </a:schemeClr>
+            </a:solidFill>
+          </a:ln>
+        </p:spPr>
+        <p:style>
+          <a:lnRef idx="2">
+            <a:schemeClr val="accent1">
+              <a:shade val="50000"/>
+            </a:schemeClr>
+          </a:lnRef>
+          <a:fillRef idx="1">
+            <a:schemeClr val="accent1"/>
+          </a:fillRef>
+          <a:effectRef idx="0">
+            <a:schemeClr val="accent1"/>
+          </a:effectRef>
+          <a:fontRef idx="minor">
+            <a:schemeClr val="lt1"/>
+          </a:fontRef>
+        </p:style>
+        <p:txBody>
+          <a:bodyPr rtlCol="0" anchor="ctr"/>
+          <a:lstStyle/>
+          <a:p>
+            <a:r>
+              <a:rPr lang="en-US" altLang="ko-KR" sz="2800" b="1" dirty="0"/>
+              <a:t>Guest</a:t>
+            </a:r>
+          </a:p>
+        </p:txBody>
+      </p:sp>
+      <p:sp>
+        <p:nvSpPr>
+          <p:cNvPr id="7" name="Rectangle 6"/>
+          <p:cNvSpPr/>
+          <p:nvPr/>
+        </p:nvSpPr>
+        <p:spPr>
+          <a:xfrm>
+            <a:off x="1182153" y="822470"/>
+            <a:ext cx="9828000" cy="2340000"/>
+          </a:xfrm>
+          <a:prstGeom prst="rect">
+            <a:avLst/>
+          </a:prstGeom>
+          <a:solidFill>
+            <a:schemeClr val="tx2">
+              <a:lumMod val="20000"/>
+              <a:lumOff val="80000"/>
+            </a:schemeClr>
+          </a:solidFill>
+          <a:ln>
+            <a:solidFill>
+              <a:schemeClr val="accent1">
+                <a:lumMod val="50000"/>
+              </a:schemeClr>
+            </a:solidFill>
+          </a:ln>
+        </p:spPr>
+        <p:style>
+          <a:lnRef idx="2">
+            <a:schemeClr val="accent1">
+              <a:shade val="50000"/>
+            </a:schemeClr>
+          </a:lnRef>
+          <a:fillRef idx="1">
+            <a:schemeClr val="accent1"/>
+          </a:fillRef>
+          <a:effectRef idx="0">
+            <a:schemeClr val="accent1"/>
+          </a:effectRef>
+          <a:fontRef idx="minor">
+            <a:schemeClr val="lt1"/>
+          </a:fontRef>
+        </p:style>
+        <p:txBody>
+          <a:bodyPr rtlCol="0" anchor="t" anchorCtr="0"/>
+          <a:lstStyle/>
+          <a:p>
+            <a:r>
+              <a:rPr lang="en-AU" altLang="ko-KR" sz="1200" dirty="0" smtClean="0">
+                <a:solidFill>
+                  <a:schemeClr val="tx1"/>
+                </a:solidFill>
+              </a:rPr>
+              <a:t>As a guest, I want to be able to create an account, add my phone number, email address and residential address into the system, so I can access the other sections of the website.</a:t>
+            </a:r>
+            <a:endParaRPr lang="en-AU" altLang="ko-KR" sz="1200" dirty="0">
+              <a:solidFill>
+                <a:schemeClr val="tx1"/>
+              </a:solidFill>
+            </a:endParaRPr>
+          </a:p>
+        </p:txBody>
+      </p:sp>
+      <p:sp>
+        <p:nvSpPr>
+          <p:cNvPr id="8" name="Rectangle 7"/>
+          <p:cNvSpPr/>
+          <p:nvPr/>
+        </p:nvSpPr>
+        <p:spPr>
+          <a:xfrm>
+            <a:off x="1182153" y="3335530"/>
+            <a:ext cx="9828000" cy="1620000"/>
+          </a:xfrm>
+          <a:prstGeom prst="rect">
+            <a:avLst/>
+          </a:prstGeom>
+          <a:solidFill>
+            <a:schemeClr val="accent1">
+              <a:lumMod val="20000"/>
+              <a:lumOff val="80000"/>
+            </a:schemeClr>
+          </a:solidFill>
+          <a:ln>
+            <a:solidFill>
+              <a:schemeClr val="accent1">
+                <a:lumMod val="50000"/>
+              </a:schemeClr>
+            </a:solidFill>
+          </a:ln>
+        </p:spPr>
+        <p:style>
+          <a:lnRef idx="2">
+            <a:schemeClr val="accent1">
+              <a:shade val="50000"/>
+            </a:schemeClr>
+          </a:lnRef>
+          <a:fillRef idx="1">
+            <a:schemeClr val="accent1"/>
+          </a:fillRef>
+          <a:effectRef idx="0">
+            <a:schemeClr val="accent1"/>
+          </a:effectRef>
+          <a:fontRef idx="minor">
+            <a:schemeClr val="lt1"/>
+          </a:fontRef>
+        </p:style>
+        <p:txBody>
+          <a:bodyPr tIns="36000" rtlCol="0" anchor="t" anchorCtr="0"/>
+          <a:lstStyle/>
+          <a:p>
+            <a:r>
+              <a:rPr lang="en-AU" sz="2000" dirty="0">
+                <a:solidFill>
+                  <a:schemeClr val="tx1"/>
+                </a:solidFill>
+              </a:rPr>
+              <a:t>Acceptance </a:t>
+            </a:r>
+            <a:r>
+              <a:rPr lang="en-AU" sz="2000" dirty="0" smtClean="0">
+                <a:solidFill>
+                  <a:schemeClr val="tx1"/>
+                </a:solidFill>
+              </a:rPr>
+              <a:t>Criteria</a:t>
+            </a:r>
+          </a:p>
+          <a:p>
+            <a:pPr marL="342900" indent="-342900">
+              <a:buFontTx/>
+              <a:buChar char="-"/>
+            </a:pPr>
+            <a:r>
+              <a:rPr lang="en-AU" sz="2000" dirty="0" smtClean="0">
+                <a:solidFill>
+                  <a:schemeClr val="tx1"/>
+                </a:solidFill>
+              </a:rPr>
+              <a:t>Have a portal where the guest can register their details into the system</a:t>
+            </a:r>
+          </a:p>
+          <a:p>
+            <a:pPr marL="342900" indent="-342900">
+              <a:buFontTx/>
+              <a:buChar char="-"/>
+            </a:pPr>
+            <a:r>
+              <a:rPr lang="en-AU" sz="2000" dirty="0" smtClean="0">
+                <a:solidFill>
+                  <a:schemeClr val="tx1"/>
+                </a:solidFill>
+              </a:rPr>
+              <a:t>From the portal the details can be entered, then a requirement to verify their email </a:t>
+            </a:r>
+            <a:r>
+              <a:rPr lang="en-AU" sz="2000" dirty="0" smtClean="0">
+                <a:solidFill>
+                  <a:schemeClr val="tx1"/>
+                </a:solidFill>
+              </a:rPr>
+              <a:t>is needed to be performed.</a:t>
+            </a:r>
+            <a:endParaRPr lang="en-AU" sz="2000" dirty="0">
+              <a:solidFill>
+                <a:schemeClr val="tx1"/>
+              </a:solidFill>
+            </a:endParaRPr>
+          </a:p>
+        </p:txBody>
+      </p:sp>
+      <p:sp>
+        <p:nvSpPr>
+          <p:cNvPr id="11" name="Rectangle 10"/>
+          <p:cNvSpPr/>
+          <p:nvPr/>
+        </p:nvSpPr>
+        <p:spPr>
+          <a:xfrm>
+            <a:off x="10290153" y="109410"/>
+            <a:ext cx="720000" cy="540000"/>
+          </a:xfrm>
+          <a:prstGeom prst="rect">
+            <a:avLst/>
+          </a:prstGeom>
+          <a:solidFill>
+            <a:srgbClr val="CCF0CD">
+              <a:alpha val="20000"/>
+            </a:srgbClr>
+          </a:solidFill>
+          <a:ln>
+            <a:solidFill>
+              <a:schemeClr val="accent1">
+                <a:lumMod val="50000"/>
+              </a:schemeClr>
+            </a:solidFill>
+          </a:ln>
+        </p:spPr>
+        <p:style>
+          <a:lnRef idx="2">
+            <a:schemeClr val="accent1">
+              <a:shade val="50000"/>
+            </a:schemeClr>
+          </a:lnRef>
+          <a:fillRef idx="1">
+            <a:schemeClr val="accent1"/>
+          </a:fillRef>
+          <a:effectRef idx="0">
+            <a:schemeClr val="accent1"/>
+          </a:effectRef>
+          <a:fontRef idx="minor">
+            <a:schemeClr val="lt1"/>
+          </a:fontRef>
+        </p:style>
+        <p:txBody>
+          <a:bodyPr wrap="square" lIns="0" rIns="0" rtlCol="0" anchor="ctr"/>
+          <a:lstStyle/>
+          <a:p>
+            <a:pPr algn="ctr"/>
+            <a:r>
+              <a:rPr lang="en-AU" sz="2000" dirty="0">
+                <a:solidFill>
+                  <a:schemeClr val="tx1"/>
+                </a:solidFill>
+              </a:rPr>
+              <a:t>Story Points</a:t>
+            </a:r>
+          </a:p>
+          <a:p>
+            <a:pPr algn="ctr"/>
+            <a:r>
+              <a:rPr lang="en-AU" sz="2000" dirty="0">
+                <a:solidFill>
+                  <a:schemeClr val="tx1"/>
+                </a:solidFill>
+              </a:rPr>
+              <a:t>2</a:t>
+            </a:r>
+            <a:endParaRPr lang="en-AU" sz="2000" dirty="0">
+              <a:solidFill>
+                <a:schemeClr val="tx1"/>
+              </a:solidFill>
+            </a:endParaRPr>
+          </a:p>
+        </p:txBody>
+      </p:sp>
+      <p:sp>
+        <p:nvSpPr>
+          <p:cNvPr id="12" name="Rectangle 11"/>
+          <p:cNvSpPr/>
+          <p:nvPr/>
+        </p:nvSpPr>
+        <p:spPr>
+          <a:xfrm>
+            <a:off x="9426153" y="109410"/>
+            <a:ext cx="792000" cy="540000"/>
+          </a:xfrm>
+          <a:prstGeom prst="rect">
+            <a:avLst/>
+          </a:prstGeom>
+          <a:solidFill>
+            <a:schemeClr val="accent4">
+              <a:lumMod val="20000"/>
+              <a:lumOff val="80000"/>
+            </a:schemeClr>
+          </a:solidFill>
+          <a:ln>
+            <a:solidFill>
+              <a:schemeClr val="accent1">
+                <a:lumMod val="50000"/>
+              </a:schemeClr>
+            </a:solidFill>
+          </a:ln>
+        </p:spPr>
+        <p:style>
+          <a:lnRef idx="2">
+            <a:schemeClr val="accent1">
+              <a:shade val="50000"/>
+            </a:schemeClr>
+          </a:lnRef>
+          <a:fillRef idx="1">
+            <a:schemeClr val="accent1"/>
+          </a:fillRef>
+          <a:effectRef idx="0">
+            <a:schemeClr val="accent1"/>
+          </a:effectRef>
+          <a:fontRef idx="minor">
+            <a:schemeClr val="lt1"/>
+          </a:fontRef>
+        </p:style>
+        <p:txBody>
+          <a:bodyPr wrap="none" lIns="0" rIns="0" rtlCol="0" anchor="ctr"/>
+          <a:lstStyle/>
+          <a:p>
+            <a:pPr algn="ctr"/>
+            <a:r>
+              <a:rPr lang="en-AU" sz="2000" dirty="0">
+                <a:solidFill>
+                  <a:schemeClr val="tx1"/>
+                </a:solidFill>
+              </a:rPr>
+              <a:t>Priority</a:t>
+            </a:r>
+          </a:p>
+          <a:p>
+            <a:pPr algn="ctr"/>
+            <a:r>
+              <a:rPr lang="en-AU" sz="2000" dirty="0">
+                <a:solidFill>
+                  <a:schemeClr val="tx1"/>
+                </a:solidFill>
+              </a:rPr>
+              <a:t>M</a:t>
+            </a:r>
+            <a:endParaRPr lang="en-AU" sz="2000" dirty="0">
+              <a:solidFill>
+                <a:schemeClr val="tx1"/>
+              </a:solidFill>
+            </a:endParaRPr>
+          </a:p>
+        </p:txBody>
+      </p:sp>
+      <p:sp>
+        <p:nvSpPr>
+          <p:cNvPr id="13" name="Rectangle 12"/>
+          <p:cNvSpPr/>
+          <p:nvPr/>
+        </p:nvSpPr>
+        <p:spPr>
+          <a:xfrm>
+            <a:off x="1182153" y="5128590"/>
+            <a:ext cx="9828000" cy="1620000"/>
+          </a:xfrm>
+          <a:prstGeom prst="rect">
+            <a:avLst/>
+          </a:prstGeom>
+          <a:solidFill>
+            <a:schemeClr val="bg1"/>
+          </a:solidFill>
+          <a:ln>
+            <a:solidFill>
+              <a:schemeClr val="accent1">
+                <a:lumMod val="50000"/>
+              </a:schemeClr>
+            </a:solidFill>
+          </a:ln>
+        </p:spPr>
+        <p:style>
+          <a:lnRef idx="2">
+            <a:schemeClr val="accent1">
+              <a:shade val="50000"/>
+            </a:schemeClr>
+          </a:lnRef>
+          <a:fillRef idx="1">
+            <a:schemeClr val="accent1"/>
+          </a:fillRef>
+          <a:effectRef idx="0">
+            <a:schemeClr val="accent1"/>
+          </a:effectRef>
+          <a:fontRef idx="minor">
+            <a:schemeClr val="lt1"/>
+          </a:fontRef>
+        </p:style>
+        <p:txBody>
+          <a:bodyPr tIns="36000" rtlCol="0" anchor="t" anchorCtr="0"/>
+          <a:lstStyle/>
+          <a:p>
+            <a:r>
+              <a:rPr lang="en-AU" sz="2000" dirty="0">
+                <a:solidFill>
+                  <a:schemeClr val="tx1"/>
+                </a:solidFill>
+              </a:rPr>
+              <a:t>Notes</a:t>
+            </a:r>
+          </a:p>
+          <a:p>
+            <a:pPr marL="179388" indent="-179388">
+              <a:buFont typeface="Arial" pitchFamily="34" charset="0"/>
+              <a:buChar char="•"/>
+            </a:pPr>
+            <a:r>
+              <a:rPr lang="en-AU" sz="2000" dirty="0">
+                <a:solidFill>
+                  <a:schemeClr val="tx1"/>
+                </a:solidFill>
+              </a:rPr>
+              <a:t> </a:t>
+            </a:r>
+          </a:p>
+        </p:txBody>
+      </p:sp>
+    </p:spTree>
+    <p:extLst>
+      <p:ext uri="{BB962C8B-B14F-4D97-AF65-F5344CB8AC3E}">
+        <p14:creationId xmlns:p14="http://schemas.microsoft.com/office/powerpoint/2010/main" val="876253719"/>
+      </p:ext>
+    </p:extLst>
+  </p:cSld>
+  <p:clrMapOvr>
+    <a:masterClrMapping/>
+  </p:clrMapOvr>
+</p:sld>
+</file>
+
+<file path=ppt/slides/slide21.xml><?xml version="1.0" encoding="utf-8"?>
 <p:sld xmlns:a="http://schemas.openxmlformats.org/drawingml/2006/main" xmlns:r="http://schemas.openxmlformats.org/officeDocument/2006/relationships" xmlns:p="http://schemas.openxmlformats.org/presentationml/2006/main">
   <p:cSld>
     <p:spTree>
